--- a/materials/slides/ch01.pptx
+++ b/materials/slides/ch01.pptx
@@ -180,7 +180,7 @@
   </p:defaultTextStyle>
   <p:extLst>
     <p:ext uri="{EFAFB233-063F-42B5-8137-9DF3F51BA10A}">
-      <p15:sldGuideLst xmlns:p15="http://schemas.microsoft.com/office/powerpoint/2012/main" xmlns="">
+      <p15:sldGuideLst xmlns:p15="http://schemas.microsoft.com/office/powerpoint/2012/main">
         <p15:guide id="1" orient="horz" pos="1556">
           <p15:clr>
             <a:srgbClr val="A4A3A4"/>
@@ -199,7 +199,7 @@
       </p15:sldGuideLst>
     </p:ext>
     <p:ext uri="{2D200454-40CA-4A62-9FC3-DE9A4176ACB9}">
-      <p15:notesGuideLst xmlns:p15="http://schemas.microsoft.com/office/powerpoint/2012/main" xmlns="">
+      <p15:notesGuideLst xmlns:p15="http://schemas.microsoft.com/office/powerpoint/2012/main">
         <p15:guide id="1" orient="horz" pos="3108">
           <p15:clr>
             <a:srgbClr val="A4A3A4"/>
@@ -217,7 +217,7 @@
 </file>
 
 <file path=ppt/charts/chart1.xml><?xml version="1.0" encoding="utf-8"?>
-<c:chartSpace xmlns:c="http://schemas.openxmlformats.org/drawingml/2006/chart" xmlns:a="http://schemas.openxmlformats.org/drawingml/2006/main" xmlns:r="http://schemas.openxmlformats.org/officeDocument/2006/relationships">
+<c:chartSpace xmlns:c="http://schemas.openxmlformats.org/drawingml/2006/chart" xmlns:a="http://schemas.openxmlformats.org/drawingml/2006/main" xmlns:r="http://schemas.openxmlformats.org/officeDocument/2006/relationships" xmlns:c16r2="http://schemas.microsoft.com/office/drawing/2015/06/chart">
   <c:date1904 val="0"/>
   <c:lang val="zh-CN"/>
   <c:roundedCorners val="0"/>
@@ -266,7 +266,7 @@
               </a:ln>
               <a:effectLst/>
             </c:spPr>
-            <c:extLst xmlns:c16r2="http://schemas.microsoft.com/office/drawing/2015/06/chart">
+            <c:extLst>
               <c:ext xmlns:c16="http://schemas.microsoft.com/office/drawing/2014/chart" uri="{C3380CC4-5D6E-409C-BE32-E72D297353CC}">
                 <c16:uniqueId val="{00000001-B819-48DF-80CB-FA3F42859538}"/>
               </c:ext>
@@ -286,7 +286,7 @@
               </a:ln>
               <a:effectLst/>
             </c:spPr>
-            <c:extLst xmlns:c16r2="http://schemas.microsoft.com/office/drawing/2015/06/chart">
+            <c:extLst>
               <c:ext xmlns:c16="http://schemas.microsoft.com/office/drawing/2014/chart" uri="{C3380CC4-5D6E-409C-BE32-E72D297353CC}">
                 <c16:uniqueId val="{00000003-B819-48DF-80CB-FA3F42859538}"/>
               </c:ext>
@@ -309,7 +309,7 @@
               </a:ln>
               <a:effectLst/>
             </c:spPr>
-            <c:extLst xmlns:c16r2="http://schemas.microsoft.com/office/drawing/2015/06/chart">
+            <c:extLst>
               <c:ext xmlns:c16="http://schemas.microsoft.com/office/drawing/2014/chart" uri="{C3380CC4-5D6E-409C-BE32-E72D297353CC}">
                 <c16:uniqueId val="{00000005-B819-48DF-80CB-FA3F42859538}"/>
               </c:ext>
@@ -324,6 +324,29 @@
                   <c:y val="0.16542677515629062"/>
                 </c:manualLayout>
               </c:layout>
+              <c:tx>
+                <c:rich>
+                  <a:bodyPr/>
+                  <a:lstStyle/>
+                  <a:p>
+                    <a:fld id="{BEFCD9A9-BB3F-41A5-908D-E47C7CC86955}" type="CATEGORYNAME">
+                      <a:rPr lang="zh-CN" altLang="en-US" sz="2600"/>
+                      <a:pPr/>
+                      <a:t>[类别名称]</a:t>
+                    </a:fld>
+                    <a:r>
+                      <a:rPr lang="zh-CN" altLang="en-US" sz="2600" baseline="0" dirty="0"/>
+                      <a:t> </a:t>
+                    </a:r>
+                    <a:fld id="{32593AC0-DACB-4D6F-8BB3-4FDB70CB86AF}" type="PERCENTAGE">
+                      <a:rPr lang="en-US" altLang="zh-CN" sz="2600" baseline="0"/>
+                      <a:pPr/>
+                      <a:t>[百分比]</a:t>
+                    </a:fld>
+                    <a:endParaRPr lang="zh-CN" altLang="en-US" sz="2600" baseline="0" dirty="0"/>
+                  </a:p>
+                </c:rich>
+              </c:tx>
               <c:showLegendKey val="0"/>
               <c:showVal val="0"/>
               <c:showCatName val="1"/>
@@ -331,9 +354,8 @@
               <c:showPercent val="1"/>
               <c:showBubbleSize val="0"/>
               <c:separator> </c:separator>
-              <c:extLst xmlns:c16r2="http://schemas.microsoft.com/office/drawing/2015/06/chart">
+              <c:extLst>
                 <c:ext xmlns:c15="http://schemas.microsoft.com/office/drawing/2012/chart" uri="{CE6537A1-D6FC-4f65-9D91-7224C49458BB}">
-                  <c15:layout/>
                   <c15:dlblFieldTable/>
                   <c15:showDataLabelsRange val="0"/>
                 </c:ext>
@@ -346,10 +368,36 @@
               <c:idx val="1"/>
               <c:layout>
                 <c:manualLayout>
-                  <c:x val="-0.21716514664304251"/>
-                  <c:y val="2.9750860587630146E-2"/>
+                  <c:x val="-0.1951228825231624"/>
+                  <c:y val="-0.19516898040856018"/>
                 </c:manualLayout>
               </c:layout>
+              <c:spPr>
+                <a:noFill/>
+                <a:ln>
+                  <a:noFill/>
+                </a:ln>
+                <a:effectLst/>
+              </c:spPr>
+              <c:txPr>
+                <a:bodyPr rot="0" spcFirstLastPara="1" vertOverflow="ellipsis" vert="horz" wrap="square" lIns="38100" tIns="19050" rIns="38100" bIns="19050" anchor="ctr" anchorCtr="1">
+                  <a:spAutoFit/>
+                </a:bodyPr>
+                <a:lstStyle/>
+                <a:p>
+                  <a:pPr>
+                    <a:defRPr sz="2600" b="0" i="0" u="none" strike="noStrike" kern="1200" baseline="0">
+                      <a:solidFill>
+                        <a:srgbClr val="000000"/>
+                      </a:solidFill>
+                      <a:latin typeface="微软雅黑" panose="020B0503020204020204" pitchFamily="34" charset="-122"/>
+                      <a:ea typeface="微软雅黑" panose="020B0503020204020204" pitchFamily="34" charset="-122"/>
+                      <a:cs typeface="+mn-cs"/>
+                    </a:defRPr>
+                  </a:pPr>
+                  <a:endParaRPr lang="zh-CN"/>
+                </a:p>
+              </c:txPr>
               <c:showLegendKey val="0"/>
               <c:showVal val="0"/>
               <c:showCatName val="1"/>
@@ -357,12 +405,8 @@
               <c:showPercent val="1"/>
               <c:showBubbleSize val="0"/>
               <c:separator> </c:separator>
-              <c:extLst xmlns:c16r2="http://schemas.microsoft.com/office/drawing/2015/06/chart">
-                <c:ext xmlns:c15="http://schemas.microsoft.com/office/drawing/2012/chart" uri="{CE6537A1-D6FC-4f65-9D91-7224C49458BB}">
-                  <c15:layout/>
-                  <c15:dlblFieldTable/>
-                  <c15:showDataLabelsRange val="0"/>
-                </c:ext>
+              <c:extLst>
+                <c:ext xmlns:c15="http://schemas.microsoft.com/office/drawing/2012/chart" uri="{CE6537A1-D6FC-4f65-9D91-7224C49458BB}"/>
                 <c:ext xmlns:c16="http://schemas.microsoft.com/office/drawing/2014/chart" uri="{C3380CC4-5D6E-409C-BE32-E72D297353CC}">
                   <c16:uniqueId val="{00000003-B819-48DF-80CB-FA3F42859538}"/>
                 </c:ext>
@@ -372,8 +416,8 @@
               <c:idx val="2"/>
               <c:layout>
                 <c:manualLayout>
-                  <c:x val="0.18106393471522708"/>
-                  <c:y val="-0.1358954774636264"/>
+                  <c:x val="0.228297357829256"/>
+                  <c:y val="0.11086990006443805"/>
                 </c:manualLayout>
               </c:layout>
               <c:tx>
@@ -394,7 +438,7 @@
                       </a:defRPr>
                     </a:pPr>
                     <a:r>
-                      <a:rPr lang="zh-CN" altLang="en-US" sz="2800" b="0" i="0" u="none" strike="noStrike" kern="1200" baseline="0" dirty="0">
+                      <a:rPr lang="zh-CN" altLang="en-US" sz="2600" b="0" i="0" u="none" strike="noStrike" kern="1200" baseline="0" dirty="0">
                         <a:solidFill>
                           <a:srgbClr val="000000"/>
                         </a:solidFill>
@@ -405,7 +449,7 @@
                       <a:t>考试 </a:t>
                     </a:r>
                     <a:r>
-                      <a:rPr lang="en-US" altLang="zh-CN" sz="2800" b="0" i="0" u="none" strike="noStrike" kern="1200" baseline="0" dirty="0">
+                      <a:rPr lang="en-US" altLang="zh-CN" sz="2600" b="0" i="0" u="none" strike="noStrike" kern="1200" baseline="0" dirty="0" smtClean="0">
                         <a:solidFill>
                           <a:srgbClr val="000000"/>
                         </a:solidFill>
@@ -413,7 +457,18 @@
                         <a:ea typeface="微软雅黑" panose="020B0503020204020204" pitchFamily="34" charset="-122"/>
                         <a:cs typeface="+mn-cs"/>
                       </a:rPr>
-                      <a:t>60%</a:t>
+                      <a:t>30</a:t>
+                    </a:r>
+                    <a:r>
+                      <a:rPr lang="en-US" altLang="zh-CN" sz="2600" b="0" i="0" u="none" strike="noStrike" kern="1200" baseline="0" dirty="0">
+                        <a:solidFill>
+                          <a:srgbClr val="000000"/>
+                        </a:solidFill>
+                        <a:latin typeface="微软雅黑" panose="020B0503020204020204" pitchFamily="34" charset="-122"/>
+                        <a:ea typeface="微软雅黑" panose="020B0503020204020204" pitchFamily="34" charset="-122"/>
+                        <a:cs typeface="+mn-cs"/>
+                      </a:rPr>
+                      <a:t>%</a:t>
                     </a:r>
                   </a:p>
                 </c:rich>
@@ -425,6 +480,25 @@
                 </a:ln>
                 <a:effectLst/>
               </c:spPr>
+              <c:txPr>
+                <a:bodyPr rot="0" spcFirstLastPara="1" vertOverflow="ellipsis" vert="horz" wrap="square" lIns="38100" tIns="19050" rIns="38100" bIns="19050" anchor="ctr" anchorCtr="1">
+                  <a:spAutoFit/>
+                </a:bodyPr>
+                <a:lstStyle/>
+                <a:p>
+                  <a:pPr algn="ctr">
+                    <a:defRPr lang="zh-CN" altLang="en-US" sz="2000" b="0" i="0" u="none" strike="noStrike" kern="1200" baseline="0" dirty="0">
+                      <a:solidFill>
+                        <a:srgbClr val="000000"/>
+                      </a:solidFill>
+                      <a:latin typeface="微软雅黑" panose="020B0503020204020204" pitchFamily="34" charset="-122"/>
+                      <a:ea typeface="微软雅黑" panose="020B0503020204020204" pitchFamily="34" charset="-122"/>
+                      <a:cs typeface="+mn-cs"/>
+                    </a:defRPr>
+                  </a:pPr>
+                  <a:endParaRPr lang="zh-CN"/>
+                </a:p>
+              </c:txPr>
               <c:showLegendKey val="0"/>
               <c:showVal val="0"/>
               <c:showCatName val="1"/>
@@ -432,6 +506,12 @@
               <c:showPercent val="1"/>
               <c:showBubbleSize val="0"/>
               <c:separator> </c:separator>
+              <c:extLst>
+                <c:ext xmlns:c15="http://schemas.microsoft.com/office/drawing/2012/chart" uri="{CE6537A1-D6FC-4f65-9D91-7224C49458BB}"/>
+                <c:ext xmlns:c16="http://schemas.microsoft.com/office/drawing/2014/chart" uri="{C3380CC4-5D6E-409C-BE32-E72D297353CC}">
+                  <c16:uniqueId val="{00000005-B819-48DF-80CB-FA3F42859538}"/>
+                </c:ext>
+              </c:extLst>
             </c:dLbl>
             <c:dLbl>
               <c:idx val="3"/>
@@ -447,7 +527,7 @@
               <c:showSerName val="0"/>
               <c:showPercent val="1"/>
               <c:showBubbleSize val="0"/>
-              <c:extLst xmlns:c16r2="http://schemas.microsoft.com/office/drawing/2015/06/chart">
+              <c:extLst>
                 <c:ext xmlns:c15="http://schemas.microsoft.com/office/drawing/2012/chart" uri="{CE6537A1-D6FC-4f65-9D91-7224C49458BB}"/>
                 <c:ext xmlns:c16="http://schemas.microsoft.com/office/drawing/2014/chart" uri="{C3380CC4-5D6E-409C-BE32-E72D297353CC}">
                   <c16:uniqueId val="{00000007-B819-48DF-80CB-FA3F42859538}"/>
@@ -468,12 +548,8 @@
               <c:showSerName val="0"/>
               <c:showPercent val="1"/>
               <c:showBubbleSize val="0"/>
-              <c:extLst xmlns:c16r2="http://schemas.microsoft.com/office/drawing/2015/06/chart">
-                <c:ext xmlns:c15="http://schemas.microsoft.com/office/drawing/2012/chart" uri="{CE6537A1-D6FC-4f65-9D91-7224C49458BB}">
-                  <c15:layout/>
-                  <c15:dlblFieldTable/>
-                  <c15:showDataLabelsRange val="0"/>
-                </c:ext>
+              <c:extLst>
+                <c:ext xmlns:c15="http://schemas.microsoft.com/office/drawing/2012/chart" uri="{CE6537A1-D6FC-4f65-9D91-7224C49458BB}"/>
                 <c:ext xmlns:c16="http://schemas.microsoft.com/office/drawing/2014/chart" uri="{C3380CC4-5D6E-409C-BE32-E72D297353CC}">
                   <c16:uniqueId val="{00000009-B819-48DF-80CB-FA3F42859538}"/>
                 </c:ext>
@@ -526,7 +602,7 @@
                 <a:effectLst/>
               </c:spPr>
             </c:leaderLines>
-            <c:extLst xmlns:c16r2="http://schemas.microsoft.com/office/drawing/2015/06/chart">
+            <c:extLst>
               <c:ext xmlns:c15="http://schemas.microsoft.com/office/drawing/2012/chart" uri="{CE6537A1-D6FC-4f65-9D91-7224C49458BB}"/>
             </c:extLst>
           </c:dLbls>
@@ -554,18 +630,18 @@
                 <c:formatCode>0%</c:formatCode>
                 <c:ptCount val="3"/>
                 <c:pt idx="0">
-                  <c:v>0.1</c:v>
+                  <c:v>0.15</c:v>
                 </c:pt>
                 <c:pt idx="1">
-                  <c:v>0.3</c:v>
+                  <c:v>0.55000000000000004</c:v>
                 </c:pt>
                 <c:pt idx="2">
-                  <c:v>0.6</c:v>
+                  <c:v>0.3</c:v>
                 </c:pt>
               </c:numCache>
             </c:numRef>
           </c:val>
-          <c:extLst xmlns:c16r2="http://schemas.microsoft.com/office/drawing/2015/06/chart">
+          <c:extLst>
             <c:ext xmlns:c16="http://schemas.microsoft.com/office/drawing/2014/chart" uri="{C3380CC4-5D6E-409C-BE32-E72D297353CC}">
               <c16:uniqueId val="{0000000A-B819-48DF-80CB-FA3F42859538}"/>
             </c:ext>
@@ -611,7 +687,7 @@
       <a:endParaRPr lang="zh-CN"/>
     </a:p>
   </c:txPr>
-  <c:externalData r:id="rId1">
+  <c:externalData r:id="rId3">
     <c:autoUpdate val="0"/>
   </c:externalData>
 </c:chartSpace>
@@ -4859,7 +4935,7 @@
         </p:blipFill>
         <p:spPr>
           <a:xfrm>
-            <a:off x="1866901" y="0"/>
+            <a:off x="2253870" y="0"/>
             <a:ext cx="10325100" cy="6883400"/>
           </a:xfrm>
           <a:prstGeom prst="rect">
@@ -4960,7 +5036,7 @@
           <a:p>
             <a:fld id="{1ABFA14F-DE9C-4D83-8C58-D4C03BB9FF78}" type="datetimeFigureOut">
               <a:rPr lang="zh-CN" altLang="en-US" smtClean="0"/>
-              <a:t>2019/7/17</a:t>
+              <a:t>2020/2/15</a:t>
             </a:fld>
             <a:endParaRPr lang="zh-CN" altLang="en-US"/>
           </a:p>
@@ -5288,7 +5364,7 @@
           <a:p>
             <a:fld id="{1ABFA14F-DE9C-4D83-8C58-D4C03BB9FF78}" type="datetimeFigureOut">
               <a:rPr lang="zh-CN" altLang="en-US" smtClean="0"/>
-              <a:t>2019/7/17</a:t>
+              <a:t>2020/2/15</a:t>
             </a:fld>
             <a:endParaRPr lang="zh-CN" altLang="en-US"/>
           </a:p>
@@ -5413,7 +5489,7 @@
           <a:p>
             <a:fld id="{1ABFA14F-DE9C-4D83-8C58-D4C03BB9FF78}" type="datetimeFigureOut">
               <a:rPr lang="zh-CN" altLang="en-US" smtClean="0"/>
-              <a:t>2019/7/17</a:t>
+              <a:t>2020/2/15</a:t>
             </a:fld>
             <a:endParaRPr lang="zh-CN" altLang="en-US"/>
           </a:p>
@@ -5821,7 +5897,7 @@
           <a:p>
             <a:fld id="{1ABFA14F-DE9C-4D83-8C58-D4C03BB9FF78}" type="datetimeFigureOut">
               <a:rPr lang="zh-CN" altLang="en-US" smtClean="0"/>
-              <a:t>2019/7/17</a:t>
+              <a:t>2020/2/15</a:t>
             </a:fld>
             <a:endParaRPr lang="zh-CN" altLang="en-US"/>
           </a:p>
@@ -6814,7 +6890,7 @@
           <a:p>
             <a:fld id="{1ABFA14F-DE9C-4D83-8C58-D4C03BB9FF78}" type="datetimeFigureOut">
               <a:rPr lang="zh-CN" altLang="en-US" smtClean="0"/>
-              <a:t>2019/7/17</a:t>
+              <a:t>2020/2/15</a:t>
             </a:fld>
             <a:endParaRPr lang="zh-CN" altLang="en-US"/>
           </a:p>
@@ -7425,7 +7501,7 @@
         </p:nvSpPr>
         <p:spPr>
           <a:xfrm>
-            <a:off x="333360" y="2163765"/>
+            <a:off x="186533" y="2178690"/>
             <a:ext cx="6845896" cy="1114424"/>
           </a:xfrm>
         </p:spPr>
@@ -7441,7 +7517,15 @@
             </a:r>
             <a:r>
               <a:rPr lang="zh-CN" altLang="en-US" sz="4800" dirty="0" smtClean="0"/>
-              <a:t>程序设计基础</a:t>
+              <a:t>与</a:t>
+            </a:r>
+            <a:r>
+              <a:rPr lang="en-US" altLang="zh-CN" sz="4800" dirty="0" smtClean="0"/>
+              <a:t>CSS3</a:t>
+            </a:r>
+            <a:r>
+              <a:rPr lang="zh-CN" altLang="en-US" sz="4800" dirty="0" smtClean="0"/>
+              <a:t>前端开发</a:t>
             </a:r>
             <a:endParaRPr lang="zh-CN" altLang="en-US" sz="4800" dirty="0"/>
           </a:p>
@@ -9191,11 +9275,7 @@
           <a:lstStyle/>
           <a:p>
             <a:r>
-              <a:rPr lang="zh-CN" altLang="en-US" dirty="0"/>
-              <a:t>十年前发布的</a:t>
-            </a:r>
-            <a:r>
-              <a:rPr lang="en-US" altLang="zh-CN" dirty="0"/>
+              <a:rPr lang="en-US" altLang="zh-CN" dirty="0" smtClean="0"/>
               <a:t>HTML4</a:t>
             </a:r>
             <a:r>
@@ -24283,7 +24363,7 @@
           <p:nvPr>
             <p:extLst>
               <p:ext uri="{D42A27DB-BD31-4B8C-83A1-F6EECF244321}">
-                <p14:modId xmlns:p14="http://schemas.microsoft.com/office/powerpoint/2010/main" val="1349153674"/>
+                <p14:modId xmlns:p14="http://schemas.microsoft.com/office/powerpoint/2010/main" val="2478951941"/>
               </p:ext>
             </p:extLst>
           </p:nvPr>
@@ -37056,7 +37136,7 @@
   </a:extraClrSchemeLst>
   <a:extLst>
     <a:ext uri="{05A4C25C-085E-4340-85A3-A5531E510DB2}">
-      <thm15:themeFamily xmlns:thm15="http://schemas.microsoft.com/office/thememl/2012/main" xmlns="" name="Office Theme" id="{62F939B6-93AF-4DB8-9C6B-D6C7DFDC589F}" vid="{4A3C46E8-61CC-4603-A589-7422A47A8E4A}"/>
+      <thm15:themeFamily xmlns:thm15="http://schemas.microsoft.com/office/thememl/2012/main" name="Office Theme" id="{62F939B6-93AF-4DB8-9C6B-D6C7DFDC589F}" vid="{4A3C46E8-61CC-4603-A589-7422A47A8E4A}"/>
     </a:ext>
   </a:extLst>
 </a:theme>
@@ -37344,7 +37424,7 @@
   <a:extraClrSchemeLst/>
   <a:extLst>
     <a:ext uri="{05A4C25C-085E-4340-85A3-A5531E510DB2}">
-      <thm15:themeFamily xmlns:thm15="http://schemas.microsoft.com/office/thememl/2012/main" xmlns="" name="Office Theme" id="{62F939B6-93AF-4DB8-9C6B-D6C7DFDC589F}" vid="{4A3C46E8-61CC-4603-A589-7422A47A8E4A}"/>
+      <thm15:themeFamily xmlns:thm15="http://schemas.microsoft.com/office/thememl/2012/main" name="Office Theme" id="{62F939B6-93AF-4DB8-9C6B-D6C7DFDC589F}" vid="{4A3C46E8-61CC-4603-A589-7422A47A8E4A}"/>
     </a:ext>
   </a:extLst>
 </a:theme>
